--- a/Apresentação/Git e Github.pptx
+++ b/Apresentação/Git e Github.pptx
@@ -1154,7 +1154,7 @@
           </a:bodyPr>
           <a:lstStyle/>
           <a:p>
-            <a:endParaRPr lang="pt-BR"/>
+            <a:endParaRPr lang="pt-BR" dirty="0"/>
           </a:p>
         </p:txBody>
       </p:sp>
@@ -40049,7 +40049,7 @@
             </a:extLst>
           </p:cNvPr>
           <p:cNvPicPr>
-            <a:picLocks noChangeAspect="1"/>
+            <a:picLocks noGrp="1" noRot="1" noChangeAspect="1" noMove="1" noResize="1" noEditPoints="1" noAdjustHandles="1" noChangeArrowheads="1" noChangeShapeType="1" noCrop="1"/>
           </p:cNvPicPr>
           <p:nvPr/>
         </p:nvPicPr>
@@ -40154,7 +40154,7 @@
               <a:tabLst/>
             </a:pPr>
             <a:r>
-              <a:rPr lang="pt-BR" sz="1200" b="0" i="0" u="none" strike="noStrike" kern="1200" cap="none">
+              <a:rPr lang="pt-BR" sz="1200" b="0" i="0" u="none" strike="noStrike" kern="1200" cap="none" dirty="0">
                 <a:ln>
                   <a:noFill/>
                 </a:ln>
@@ -40196,7 +40196,7 @@
         </p:blipFill>
         <p:spPr>
           <a:xfrm>
-            <a:off x="762480" y="2971800"/>
+            <a:off x="510387" y="2971800"/>
             <a:ext cx="3352320" cy="904680"/>
           </a:xfrm>
           <a:prstGeom prst="rect">
@@ -40222,7 +40222,7 @@
         </p:nvSpPr>
         <p:spPr>
           <a:xfrm>
-            <a:off x="762480" y="3200400"/>
+            <a:off x="510387" y="3200400"/>
             <a:ext cx="837720" cy="228600"/>
           </a:xfrm>
           <a:custGeom>
@@ -40320,7 +40320,7 @@
         </p:nvSpPr>
         <p:spPr>
           <a:xfrm>
-            <a:off x="4572000" y="2136600"/>
+            <a:off x="4376302" y="2136600"/>
             <a:ext cx="3819600" cy="919799"/>
           </a:xfrm>
           <a:prstGeom prst="rect">
@@ -40376,7 +40376,7 @@
         </p:blipFill>
         <p:spPr>
           <a:xfrm>
-            <a:off x="762480" y="4064040"/>
+            <a:off x="510387" y="4064040"/>
             <a:ext cx="2501280" cy="1170000"/>
           </a:xfrm>
           <a:prstGeom prst="rect">
@@ -40402,7 +40402,7 @@
         </p:nvSpPr>
         <p:spPr>
           <a:xfrm>
-            <a:off x="3285000" y="4230000"/>
+            <a:off x="3032907" y="4230000"/>
             <a:ext cx="862559" cy="919799"/>
           </a:xfrm>
           <a:prstGeom prst="rect">
@@ -40531,7 +40531,7 @@
         </p:nvGrpSpPr>
         <p:grpSpPr>
           <a:xfrm>
-            <a:off x="4668840" y="3056400"/>
+            <a:off x="4290875" y="3056400"/>
             <a:ext cx="1467360" cy="2281320"/>
             <a:chOff x="4668840" y="3056400"/>
             <a:chExt cx="1467360" cy="2281320"/>
@@ -40874,8 +40874,8 @@
         </p:blipFill>
         <p:spPr>
           <a:xfrm>
-            <a:off x="6419880" y="3056400"/>
-            <a:ext cx="3966120" cy="672480"/>
+            <a:off x="6041915" y="3056400"/>
+            <a:ext cx="3559285" cy="672480"/>
           </a:xfrm>
           <a:prstGeom prst="rect">
             <a:avLst/>
@@ -40912,7 +40912,7 @@
         </p:blipFill>
         <p:spPr>
           <a:xfrm>
-            <a:off x="6429600" y="3945960"/>
+            <a:off x="6051635" y="3945960"/>
             <a:ext cx="1909439" cy="1391759"/>
           </a:xfrm>
           <a:prstGeom prst="rect">
@@ -40938,7 +40938,7 @@
         </p:nvSpPr>
         <p:spPr>
           <a:xfrm>
-            <a:off x="6172200" y="3429000"/>
+            <a:off x="5794235" y="3429000"/>
             <a:ext cx="228599" cy="0"/>
           </a:xfrm>
           <a:prstGeom prst="line">
@@ -40995,7 +40995,7 @@
         </p:nvSpPr>
         <p:spPr>
           <a:xfrm>
-            <a:off x="7400880" y="3719520"/>
+            <a:off x="7022915" y="3719520"/>
             <a:ext cx="0" cy="228600"/>
           </a:xfrm>
           <a:prstGeom prst="line">
@@ -41064,8 +41064,8 @@
         </p:blipFill>
         <p:spPr>
           <a:xfrm>
-            <a:off x="8686800" y="4262400"/>
-            <a:ext cx="1828800" cy="652680"/>
+            <a:off x="8308835" y="4262400"/>
+            <a:ext cx="1548397" cy="652680"/>
           </a:xfrm>
           <a:prstGeom prst="rect">
             <a:avLst/>
@@ -41090,7 +41090,7 @@
         </p:nvSpPr>
         <p:spPr>
           <a:xfrm>
-            <a:off x="8391600" y="4590720"/>
+            <a:off x="8013635" y="4590720"/>
             <a:ext cx="228599" cy="0"/>
           </a:xfrm>
           <a:prstGeom prst="line">
@@ -41147,7 +41147,7 @@
         </p:nvSpPr>
         <p:spPr>
           <a:xfrm>
-            <a:off x="762480" y="2136601"/>
+            <a:off x="510387" y="2136601"/>
             <a:ext cx="3352320" cy="646331"/>
           </a:xfrm>
           <a:prstGeom prst="rect">
@@ -41233,7 +41233,7 @@
         </p:nvSpPr>
         <p:spPr>
           <a:xfrm>
-            <a:off x="4588560" y="2136601"/>
+            <a:off x="4210595" y="2136601"/>
             <a:ext cx="5716728" cy="646331"/>
           </a:xfrm>
           <a:prstGeom prst="rect">
@@ -41683,7 +41683,7 @@
         <p:spPr>
           <a:xfrm>
             <a:off x="730002" y="3062312"/>
-            <a:ext cx="9575286" cy="762314"/>
+            <a:ext cx="8651742" cy="688788"/>
           </a:xfrm>
           <a:prstGeom prst="rect">
             <a:avLst/>
@@ -41816,8 +41816,8 @@
         </p:nvSpPr>
         <p:spPr>
           <a:xfrm>
-            <a:off x="6656832" y="3014345"/>
-            <a:ext cx="2395728" cy="858247"/>
+            <a:off x="6300216" y="3135107"/>
+            <a:ext cx="1746504" cy="599904"/>
           </a:xfrm>
           <a:prstGeom prst="rect">
             <a:avLst/>
@@ -42063,130 +42063,6 @@
           </a:p>
         </p:txBody>
       </p:sp>
-      <p:sp>
-        <p:nvSpPr>
-          <p:cNvPr id="5" name="CaixaDeTexto 4">
-            <a:extLst>
-              <a:ext uri="{FF2B5EF4-FFF2-40B4-BE49-F238E27FC236}">
-                <a16:creationId xmlns:a16="http://schemas.microsoft.com/office/drawing/2014/main" id="{40C876FD-4427-6D14-3214-655161C45E04}"/>
-              </a:ext>
-            </a:extLst>
-          </p:cNvPr>
-          <p:cNvSpPr txBox="1"/>
-          <p:nvPr/>
-        </p:nvSpPr>
-        <p:spPr>
-          <a:xfrm>
-            <a:off x="457200" y="1450800"/>
-            <a:ext cx="9848088" cy="606600"/>
-          </a:xfrm>
-          <a:prstGeom prst="rect">
-            <a:avLst/>
-          </a:prstGeom>
-          <a:noFill/>
-          <a:ln>
-            <a:noFill/>
-          </a:ln>
-        </p:spPr>
-        <p:txBody>
-          <a:bodyPr vert="horz" wrap="none" lIns="90000" tIns="45000" rIns="90000" bIns="45000" anchorCtr="0" compatLnSpc="0"/>
-          <a:lstStyle/>
-          <a:p>
-            <a:pPr marL="0" marR="0" lvl="0" indent="0" rtl="0" hangingPunct="0">
-              <a:lnSpc>
-                <a:spcPct val="100000"/>
-              </a:lnSpc>
-              <a:spcBef>
-                <a:spcPts val="0"/>
-              </a:spcBef>
-              <a:spcAft>
-                <a:spcPts val="0"/>
-              </a:spcAft>
-              <a:buNone/>
-              <a:tabLst/>
-            </a:pPr>
-            <a:r>
-              <a:rPr lang="pt-BR" sz="1200" b="0" i="0" u="none" strike="noStrike" kern="1200" cap="none" dirty="0">
-                <a:ln>
-                  <a:noFill/>
-                </a:ln>
-                <a:solidFill>
-                  <a:srgbClr val="666666"/>
-                </a:solidFill>
-                <a:latin typeface="Noto Sans" pitchFamily="34"/>
-                <a:ea typeface="Noto Sans CJK SC" pitchFamily="2"/>
-                <a:cs typeface="Noto Sans Devanagari" pitchFamily="2"/>
-              </a:rPr>
-              <a:t>Uma vez que você fez o </a:t>
-            </a:r>
-            <a:r>
-              <a:rPr lang="pt-BR" sz="1200" b="0" i="0" u="none" strike="noStrike" kern="1200" cap="none" dirty="0" err="1">
-                <a:ln>
-                  <a:noFill/>
-                </a:ln>
-                <a:solidFill>
-                  <a:srgbClr val="666666"/>
-                </a:solidFill>
-                <a:latin typeface="Noto Sans" pitchFamily="34"/>
-                <a:ea typeface="Noto Sans CJK SC" pitchFamily="2"/>
-                <a:cs typeface="Noto Sans Devanagari" pitchFamily="2"/>
-              </a:rPr>
-              <a:t>fork</a:t>
-            </a:r>
-            <a:r>
-              <a:rPr lang="pt-BR" sz="1200" b="0" i="0" u="none" strike="noStrike" kern="1200" cap="none" dirty="0">
-                <a:ln>
-                  <a:noFill/>
-                </a:ln>
-                <a:solidFill>
-                  <a:srgbClr val="666666"/>
-                </a:solidFill>
-                <a:latin typeface="Noto Sans" pitchFamily="34"/>
-                <a:ea typeface="Noto Sans CJK SC" pitchFamily="2"/>
-                <a:cs typeface="Noto Sans Devanagari" pitchFamily="2"/>
-              </a:rPr>
-              <a:t> e criou a versão do repositório do projeto pessoal, você deverá baixar o projeto para o seu computador por</a:t>
-            </a:r>
-          </a:p>
-          <a:p>
-            <a:pPr marL="0" marR="0" lvl="0" indent="0" rtl="0" hangingPunct="0">
-              <a:lnSpc>
-                <a:spcPct val="100000"/>
-              </a:lnSpc>
-              <a:spcBef>
-                <a:spcPts val="0"/>
-              </a:spcBef>
-              <a:spcAft>
-                <a:spcPts val="0"/>
-              </a:spcAft>
-              <a:buNone/>
-              <a:tabLst/>
-            </a:pPr>
-            <a:r>
-              <a:rPr lang="pt-BR" sz="1200" dirty="0">
-                <a:solidFill>
-                  <a:srgbClr val="666666"/>
-                </a:solidFill>
-                <a:latin typeface="Noto Sans" pitchFamily="34"/>
-                <a:ea typeface="Noto Sans CJK SC" pitchFamily="2"/>
-                <a:cs typeface="Noto Sans Devanagari" pitchFamily="2"/>
-              </a:rPr>
-              <a:t>meio de um clone, para que assim possa ser modificado.</a:t>
-            </a:r>
-            <a:endParaRPr lang="pt-BR" sz="1200" b="0" i="0" u="none" strike="noStrike" kern="1200" cap="none" dirty="0">
-              <a:ln>
-                <a:noFill/>
-              </a:ln>
-              <a:solidFill>
-                <a:srgbClr val="666666"/>
-              </a:solidFill>
-              <a:latin typeface="Noto Sans" pitchFamily="34"/>
-              <a:ea typeface="Noto Sans CJK SC" pitchFamily="2"/>
-              <a:cs typeface="Noto Sans Devanagari" pitchFamily="2"/>
-            </a:endParaRPr>
-          </a:p>
-        </p:txBody>
-      </p:sp>
       <p:pic>
         <p:nvPicPr>
           <p:cNvPr id="7" name="Imagem 6">
@@ -42354,7 +42230,7 @@
         <p:spPr>
           <a:xfrm>
             <a:off x="4535424" y="2505706"/>
-            <a:ext cx="5985582" cy="461665"/>
+            <a:ext cx="5202936" cy="461665"/>
           </a:xfrm>
           <a:prstGeom prst="rect">
             <a:avLst/>
@@ -42412,7 +42288,7 @@
         <p:spPr>
           <a:xfrm>
             <a:off x="4622766" y="3160508"/>
-            <a:ext cx="5715000" cy="606600"/>
+            <a:ext cx="4859562" cy="606600"/>
           </a:xfrm>
           <a:prstGeom prst="rect">
             <a:avLst/>
@@ -42546,7 +42422,7 @@
         <p:spPr>
           <a:xfrm>
             <a:off x="4535424" y="3988104"/>
-            <a:ext cx="5985582" cy="461665"/>
+            <a:ext cx="5303520" cy="461665"/>
           </a:xfrm>
           <a:prstGeom prst="rect">
             <a:avLst/>
@@ -42585,6 +42461,80 @@
                 <a:cs typeface="Noto Sans Devanagari" pitchFamily="2"/>
               </a:rPr>
               <a:t>Isso irá adicionar uma pasta nova, no diretório escolhido, contendo todo o projeto e todas as suas versões.</a:t>
+            </a:r>
+          </a:p>
+        </p:txBody>
+      </p:sp>
+      <p:sp>
+        <p:nvSpPr>
+          <p:cNvPr id="12" name="CaixaDeTexto 11">
+            <a:extLst>
+              <a:ext uri="{FF2B5EF4-FFF2-40B4-BE49-F238E27FC236}">
+                <a16:creationId xmlns:a16="http://schemas.microsoft.com/office/drawing/2014/main" id="{4D5DA1B7-4776-6634-DBE3-10657AD5C0A3}"/>
+              </a:ext>
+            </a:extLst>
+          </p:cNvPr>
+          <p:cNvSpPr txBox="1"/>
+          <p:nvPr/>
+        </p:nvSpPr>
+        <p:spPr>
+          <a:xfrm>
+            <a:off x="466346" y="1444268"/>
+            <a:ext cx="9372598" cy="461665"/>
+          </a:xfrm>
+          <a:prstGeom prst="rect">
+            <a:avLst/>
+          </a:prstGeom>
+          <a:noFill/>
+        </p:spPr>
+        <p:txBody>
+          <a:bodyPr wrap="square">
+            <a:spAutoFit/>
+          </a:bodyPr>
+          <a:lstStyle/>
+          <a:p>
+            <a:pPr marL="0" marR="0" lvl="0" indent="0" rtl="0" hangingPunct="0">
+              <a:lnSpc>
+                <a:spcPct val="100000"/>
+              </a:lnSpc>
+              <a:spcBef>
+                <a:spcPts val="0"/>
+              </a:spcBef>
+              <a:spcAft>
+                <a:spcPts val="0"/>
+              </a:spcAft>
+              <a:buNone/>
+              <a:tabLst/>
+            </a:pPr>
+            <a:r>
+              <a:rPr lang="pt-BR" sz="1200" dirty="0">
+                <a:solidFill>
+                  <a:srgbClr val="666666"/>
+                </a:solidFill>
+                <a:latin typeface="Noto Sans" pitchFamily="34"/>
+                <a:cs typeface="Noto Sans Devanagari" pitchFamily="2"/>
+              </a:rPr>
+              <a:t>Uma vez que você fez o </a:t>
+            </a:r>
+            <a:r>
+              <a:rPr lang="pt-BR" sz="1200" dirty="0" err="1">
+                <a:solidFill>
+                  <a:srgbClr val="666666"/>
+                </a:solidFill>
+                <a:latin typeface="Noto Sans" pitchFamily="34"/>
+                <a:cs typeface="Noto Sans Devanagari" pitchFamily="2"/>
+              </a:rPr>
+              <a:t>fork</a:t>
+            </a:r>
+            <a:r>
+              <a:rPr lang="pt-BR" sz="1200" dirty="0">
+                <a:solidFill>
+                  <a:srgbClr val="666666"/>
+                </a:solidFill>
+                <a:latin typeface="Noto Sans" pitchFamily="34"/>
+                <a:cs typeface="Noto Sans Devanagari" pitchFamily="2"/>
+              </a:rPr>
+              <a:t> e criou a versão do repositório do projeto pessoal, você deverá baixar o projeto para o seu computador por meio de um clone, para que assim possa ser modificado.</a:t>
             </a:r>
           </a:p>
         </p:txBody>
@@ -43363,7 +43313,7 @@
         <p:spPr>
           <a:xfrm>
             <a:off x="4535423" y="2927711"/>
-            <a:ext cx="5545201" cy="606600"/>
+            <a:ext cx="4636009" cy="606600"/>
           </a:xfrm>
           <a:prstGeom prst="rect">
             <a:avLst/>
@@ -43560,7 +43510,7 @@
         <p:spPr>
           <a:xfrm>
             <a:off x="4535423" y="4208966"/>
-            <a:ext cx="5545201" cy="606600"/>
+            <a:ext cx="4636009" cy="606600"/>
           </a:xfrm>
           <a:prstGeom prst="rect">
             <a:avLst/>
